--- a/sample2/vcnet.pptx
+++ b/sample2/vcnet.pptx
@@ -107,6 +107,22 @@
       </a:defRPr>
     </a:lvl9pPr>
   </p:defaultTextStyle>
+  <p:extLst>
+    <p:ext uri="{EFAFB233-063F-42B5-8137-9DF3F51BA10A}">
+      <p15:sldGuideLst xmlns:p15="http://schemas.microsoft.com/office/powerpoint/2012/main">
+        <p15:guide id="1" orient="horz" pos="2160">
+          <p15:clr>
+            <a:srgbClr val="A4A3A4"/>
+          </p15:clr>
+        </p15:guide>
+        <p15:guide id="2" pos="2880">
+          <p15:clr>
+            <a:srgbClr val="A4A3A4"/>
+          </p15:clr>
+        </p15:guide>
+      </p15:sldGuideLst>
+    </p:ext>
+  </p:extLst>
 </p:presentation>
 </file>
 
@@ -192,7 +208,7 @@
           <a:p>
             <a:fld id="{4C8EA07E-ABDE-46ED-BFBB-A2910F8A791A}" type="datetimeFigureOut">
               <a:rPr lang="zh-CN" altLang="en-US" smtClean="0"/>
-              <a:t>2017-5-26</a:t>
+              <a:t>2017/12/13</a:t>
             </a:fld>
             <a:endParaRPr lang="zh-CN" altLang="en-US"/>
           </a:p>
@@ -360,6 +376,11 @@
         </p:txBody>
       </p:sp>
     </p:spTree>
+    <p:extLst>
+      <p:ext uri="{BB962C8B-B14F-4D97-AF65-F5344CB8AC3E}">
+        <p14:creationId xmlns:p14="http://schemas.microsoft.com/office/powerpoint/2010/main" val="2005442153"/>
+      </p:ext>
+    </p:extLst>
   </p:cSld>
   <p:clrMap bg1="lt1" tx1="dk1" bg2="lt2" tx2="dk2" accent1="accent1" accent2="accent2" accent3="accent3" accent4="accent4" accent5="accent5" accent6="accent6" hlink="hlink" folHlink="folHlink"/>
   <p:notesStyle>
@@ -531,6 +552,11 @@
         </p:txBody>
       </p:sp>
     </p:spTree>
+    <p:extLst>
+      <p:ext uri="{BB962C8B-B14F-4D97-AF65-F5344CB8AC3E}">
+        <p14:creationId xmlns:p14="http://schemas.microsoft.com/office/powerpoint/2010/main" val="710425806"/>
+      </p:ext>
+    </p:extLst>
   </p:cSld>
   <p:clrMapOvr>
     <a:masterClrMapping/>
@@ -719,7 +745,7 @@
           <a:p>
             <a:fld id="{FF4AAF7A-377D-4FF3-999D-AC86D93C83A1}" type="datetimeFigureOut">
               <a:rPr lang="zh-CN" altLang="en-US" smtClean="0"/>
-              <a:t>2017-5-26</a:t>
+              <a:t>2017/12/13</a:t>
             </a:fld>
             <a:endParaRPr lang="zh-CN" altLang="en-US"/>
           </a:p>
@@ -884,7 +910,7 @@
           <a:p>
             <a:fld id="{FF4AAF7A-377D-4FF3-999D-AC86D93C83A1}" type="datetimeFigureOut">
               <a:rPr lang="zh-CN" altLang="en-US" smtClean="0"/>
-              <a:t>2017-5-26</a:t>
+              <a:t>2017/12/13</a:t>
             </a:fld>
             <a:endParaRPr lang="zh-CN" altLang="en-US"/>
           </a:p>
@@ -1059,7 +1085,7 @@
           <a:p>
             <a:fld id="{FF4AAF7A-377D-4FF3-999D-AC86D93C83A1}" type="datetimeFigureOut">
               <a:rPr lang="zh-CN" altLang="en-US" smtClean="0"/>
-              <a:t>2017-5-26</a:t>
+              <a:t>2017/12/13</a:t>
             </a:fld>
             <a:endParaRPr lang="zh-CN" altLang="en-US"/>
           </a:p>
@@ -1224,7 +1250,7 @@
           <a:p>
             <a:fld id="{FF4AAF7A-377D-4FF3-999D-AC86D93C83A1}" type="datetimeFigureOut">
               <a:rPr lang="zh-CN" altLang="en-US" smtClean="0"/>
-              <a:t>2017-5-26</a:t>
+              <a:t>2017/12/13</a:t>
             </a:fld>
             <a:endParaRPr lang="zh-CN" altLang="en-US"/>
           </a:p>
@@ -1465,7 +1491,7 @@
           <a:p>
             <a:fld id="{FF4AAF7A-377D-4FF3-999D-AC86D93C83A1}" type="datetimeFigureOut">
               <a:rPr lang="zh-CN" altLang="en-US" smtClean="0"/>
-              <a:t>2017-5-26</a:t>
+              <a:t>2017/12/13</a:t>
             </a:fld>
             <a:endParaRPr lang="zh-CN" altLang="en-US"/>
           </a:p>
@@ -1748,7 +1774,7 @@
           <a:p>
             <a:fld id="{FF4AAF7A-377D-4FF3-999D-AC86D93C83A1}" type="datetimeFigureOut">
               <a:rPr lang="zh-CN" altLang="en-US" smtClean="0"/>
-              <a:t>2017-5-26</a:t>
+              <a:t>2017/12/13</a:t>
             </a:fld>
             <a:endParaRPr lang="zh-CN" altLang="en-US"/>
           </a:p>
@@ -2165,7 +2191,7 @@
           <a:p>
             <a:fld id="{FF4AAF7A-377D-4FF3-999D-AC86D93C83A1}" type="datetimeFigureOut">
               <a:rPr lang="zh-CN" altLang="en-US" smtClean="0"/>
-              <a:t>2017-5-26</a:t>
+              <a:t>2017/12/13</a:t>
             </a:fld>
             <a:endParaRPr lang="zh-CN" altLang="en-US"/>
           </a:p>
@@ -2278,7 +2304,7 @@
           <a:p>
             <a:fld id="{FF4AAF7A-377D-4FF3-999D-AC86D93C83A1}" type="datetimeFigureOut">
               <a:rPr lang="zh-CN" altLang="en-US" smtClean="0"/>
-              <a:t>2017-5-26</a:t>
+              <a:t>2017/12/13</a:t>
             </a:fld>
             <a:endParaRPr lang="zh-CN" altLang="en-US"/>
           </a:p>
@@ -2368,7 +2394,7 @@
           <a:p>
             <a:fld id="{FF4AAF7A-377D-4FF3-999D-AC86D93C83A1}" type="datetimeFigureOut">
               <a:rPr lang="zh-CN" altLang="en-US" smtClean="0"/>
-              <a:t>2017-5-26</a:t>
+              <a:t>2017/12/13</a:t>
             </a:fld>
             <a:endParaRPr lang="zh-CN" altLang="en-US"/>
           </a:p>
@@ -2640,7 +2666,7 @@
           <a:p>
             <a:fld id="{FF4AAF7A-377D-4FF3-999D-AC86D93C83A1}" type="datetimeFigureOut">
               <a:rPr lang="zh-CN" altLang="en-US" smtClean="0"/>
-              <a:t>2017-5-26</a:t>
+              <a:t>2017/12/13</a:t>
             </a:fld>
             <a:endParaRPr lang="zh-CN" altLang="en-US"/>
           </a:p>
@@ -2888,7 +2914,7 @@
           <a:p>
             <a:fld id="{FF4AAF7A-377D-4FF3-999D-AC86D93C83A1}" type="datetimeFigureOut">
               <a:rPr lang="zh-CN" altLang="en-US" smtClean="0"/>
-              <a:t>2017-5-26</a:t>
+              <a:t>2017/12/13</a:t>
             </a:fld>
             <a:endParaRPr lang="zh-CN" altLang="en-US"/>
           </a:p>
@@ -3096,7 +3122,7 @@
           <a:p>
             <a:fld id="{FF4AAF7A-377D-4FF3-999D-AC86D93C83A1}" type="datetimeFigureOut">
               <a:rPr lang="zh-CN" altLang="en-US" smtClean="0"/>
-              <a:t>2017-5-26</a:t>
+              <a:t>2017/12/13</a:t>
             </a:fld>
             <a:endParaRPr lang="zh-CN" altLang="en-US"/>
           </a:p>
@@ -3452,6 +3478,14 @@
 <file path=ppt/slides/slide1.xml><?xml version="1.0" encoding="utf-8"?>
 <p:sld xmlns:a="http://schemas.openxmlformats.org/drawingml/2006/main" xmlns:r="http://schemas.openxmlformats.org/officeDocument/2006/relationships" xmlns:p="http://schemas.openxmlformats.org/presentationml/2006/main">
   <p:cSld>
+    <p:bg>
+      <p:bgPr>
+        <a:solidFill>
+          <a:schemeClr val="bg1"/>
+        </a:solidFill>
+        <a:effectLst/>
+      </p:bgPr>
+    </p:bg>
     <p:spTree>
       <p:nvGrpSpPr>
         <p:cNvPr id="1" name=""/>
@@ -3474,12 +3508,35 @@
         </p:nvSpPr>
         <p:spPr>
           <a:xfrm>
-            <a:off x="571472" y="1785926"/>
+            <a:off x="952503" y="3858257"/>
             <a:ext cx="928694" cy="428628"/>
           </a:xfrm>
           <a:prstGeom prst="roundRect">
             <a:avLst/>
           </a:prstGeom>
+          <a:gradFill flip="none" rotWithShape="1">
+            <a:gsLst>
+              <a:gs pos="0">
+                <a:schemeClr val="accent5">
+                  <a:lumMod val="67000"/>
+                </a:schemeClr>
+              </a:gs>
+              <a:gs pos="48000">
+                <a:schemeClr val="accent5">
+                  <a:lumMod val="97000"/>
+                  <a:lumOff val="3000"/>
+                </a:schemeClr>
+              </a:gs>
+              <a:gs pos="100000">
+                <a:schemeClr val="accent5">
+                  <a:lumMod val="60000"/>
+                  <a:lumOff val="40000"/>
+                </a:schemeClr>
+              </a:gs>
+            </a:gsLst>
+            <a:lin ang="16200000" scaled="1"/>
+            <a:tileRect/>
+          </a:gradFill>
         </p:spPr>
         <p:style>
           <a:lnRef idx="2">
@@ -3518,7 +3575,7 @@
         </p:nvSpPr>
         <p:spPr>
           <a:xfrm>
-            <a:off x="4214810" y="1643050"/>
+            <a:off x="1076144" y="1962817"/>
             <a:ext cx="714380" cy="714380"/>
           </a:xfrm>
           <a:prstGeom prst="ellipse">
@@ -3562,12 +3619,35 @@
         </p:nvSpPr>
         <p:spPr>
           <a:xfrm>
-            <a:off x="7643834" y="1785926"/>
+            <a:off x="7249058" y="3880318"/>
             <a:ext cx="928694" cy="428628"/>
           </a:xfrm>
           <a:prstGeom prst="roundRect">
             <a:avLst/>
           </a:prstGeom>
+          <a:gradFill flip="none" rotWithShape="1">
+            <a:gsLst>
+              <a:gs pos="0">
+                <a:schemeClr val="accent5">
+                  <a:lumMod val="67000"/>
+                </a:schemeClr>
+              </a:gs>
+              <a:gs pos="48000">
+                <a:schemeClr val="accent5">
+                  <a:lumMod val="97000"/>
+                  <a:lumOff val="3000"/>
+                </a:schemeClr>
+              </a:gs>
+              <a:gs pos="100000">
+                <a:schemeClr val="accent5">
+                  <a:lumMod val="60000"/>
+                  <a:lumOff val="40000"/>
+                </a:schemeClr>
+              </a:gs>
+            </a:gsLst>
+            <a:lin ang="16200000" scaled="1"/>
+            <a:tileRect/>
+          </a:gradFill>
         </p:spPr>
         <p:style>
           <a:lnRef idx="2">
@@ -3606,8 +3686,8 @@
         </p:nvSpPr>
         <p:spPr>
           <a:xfrm>
-            <a:off x="1500166" y="1714488"/>
-            <a:ext cx="1645002" cy="646331"/>
+            <a:off x="335445" y="3447823"/>
+            <a:ext cx="2330125" cy="369332"/>
           </a:xfrm>
           <a:prstGeom prst="rect">
             <a:avLst/>
@@ -3624,11 +3704,13 @@
               <a:rPr lang="en-US" altLang="zh-CN" dirty="0" smtClean="0"/>
               <a:t>Eth0</a:t>
             </a:r>
-          </a:p>
-          <a:p>
+            <a:r>
+              <a:rPr lang="zh-CN" altLang="en-US" dirty="0" smtClean="0"/>
+              <a:t> </a:t>
+            </a:r>
             <a:r>
               <a:rPr lang="en-US" altLang="zh-CN" dirty="0" smtClean="0"/>
-              <a:t>222.195.81.240</a:t>
+              <a:t>202.110.92.27/29</a:t>
             </a:r>
             <a:endParaRPr lang="zh-CN" altLang="en-US" dirty="0"/>
           </a:p>
@@ -3642,8 +3724,8 @@
         </p:nvSpPr>
         <p:spPr>
           <a:xfrm>
-            <a:off x="6115852" y="1714488"/>
-            <a:ext cx="1527982" cy="646331"/>
+            <a:off x="6616082" y="3498151"/>
+            <a:ext cx="2213106" cy="369332"/>
           </a:xfrm>
           <a:prstGeom prst="rect">
             <a:avLst/>
@@ -3661,11 +3743,13 @@
               <a:rPr lang="en-US" altLang="zh-CN" dirty="0" smtClean="0"/>
               <a:t>Eth0</a:t>
             </a:r>
-          </a:p>
-          <a:p>
+            <a:r>
+              <a:rPr lang="zh-CN" altLang="en-US" dirty="0" smtClean="0"/>
+              <a:t> </a:t>
+            </a:r>
             <a:r>
               <a:rPr lang="en-US" altLang="zh-CN" dirty="0" smtClean="0"/>
-              <a:t>202.38.64.144</a:t>
+              <a:t>192.168.10.2/24</a:t>
             </a:r>
             <a:endParaRPr lang="zh-CN" altLang="en-US" dirty="0"/>
           </a:p>
@@ -3675,19 +3759,20 @@
         <p:nvCxnSpPr>
           <p:cNvPr id="10" name="直接连接符 9"/>
           <p:cNvCxnSpPr>
-            <a:stCxn id="4" idx="3"/>
-            <a:endCxn id="5" idx="2"/>
+            <a:stCxn id="4" idx="0"/>
+            <a:endCxn id="5" idx="4"/>
           </p:cNvCxnSpPr>
           <p:nvPr/>
         </p:nvCxnSpPr>
         <p:spPr>
-          <a:xfrm>
-            <a:off x="1500166" y="2000240"/>
-            <a:ext cx="2714644" cy="1588"/>
+          <a:xfrm flipV="1">
+            <a:off x="1416850" y="2677197"/>
+            <a:ext cx="16484" cy="1181060"/>
           </a:xfrm>
           <a:prstGeom prst="line">
             <a:avLst/>
           </a:prstGeom>
+          <a:ln w="19050"/>
         </p:spPr>
         <p:style>
           <a:lnRef idx="1">
@@ -3708,19 +3793,28 @@
         <p:nvCxnSpPr>
           <p:cNvPr id="11" name="直接连接符 10"/>
           <p:cNvCxnSpPr>
-            <a:stCxn id="6" idx="1"/>
-            <a:endCxn id="5" idx="6"/>
+            <a:stCxn id="6" idx="0"/>
+            <a:endCxn id="38" idx="4"/>
           </p:cNvCxnSpPr>
           <p:nvPr/>
         </p:nvCxnSpPr>
         <p:spPr>
-          <a:xfrm rot="10800000">
-            <a:off x="4929190" y="2000240"/>
-            <a:ext cx="2714644" cy="1588"/>
+          <a:xfrm flipH="1" flipV="1">
+            <a:off x="7687691" y="2662401"/>
+            <a:ext cx="25714" cy="1217917"/>
           </a:xfrm>
           <a:prstGeom prst="line">
             <a:avLst/>
           </a:prstGeom>
+          <a:ln w="19050">
+            <a:solidFill>
+              <a:schemeClr val="accent5">
+                <a:lumMod val="60000"/>
+                <a:lumOff val="40000"/>
+              </a:schemeClr>
+            </a:solidFill>
+            <a:prstDash val="dashDot"/>
+          </a:ln>
         </p:spPr>
         <p:style>
           <a:lnRef idx="1">
@@ -3745,12 +3839,40 @@
         </p:nvSpPr>
         <p:spPr>
           <a:xfrm>
-            <a:off x="500034" y="3643314"/>
-            <a:ext cx="1071570" cy="428628"/>
+            <a:off x="837124" y="4993901"/>
+            <a:ext cx="1143008" cy="721790"/>
           </a:xfrm>
           <a:prstGeom prst="rect">
             <a:avLst/>
           </a:prstGeom>
+          <a:gradFill flip="none" rotWithShape="1">
+            <a:gsLst>
+              <a:gs pos="0">
+                <a:schemeClr val="accent6">
+                  <a:lumMod val="40000"/>
+                  <a:lumOff val="60000"/>
+                </a:schemeClr>
+              </a:gs>
+              <a:gs pos="46000">
+                <a:schemeClr val="accent6">
+                  <a:lumMod val="95000"/>
+                  <a:lumOff val="5000"/>
+                </a:schemeClr>
+              </a:gs>
+              <a:gs pos="100000">
+                <a:schemeClr val="accent6">
+                  <a:lumMod val="60000"/>
+                </a:schemeClr>
+              </a:gs>
+            </a:gsLst>
+            <a:path path="circle">
+              <a:fillToRect l="50000" t="130000" r="50000" b="-30000"/>
+            </a:path>
+            <a:tileRect/>
+          </a:gradFill>
+          <a:ln>
+            <a:noFill/>
+          </a:ln>
         </p:spPr>
         <p:style>
           <a:lnRef idx="2">
@@ -3774,52 +3896,12 @@
           <a:p>
             <a:pPr algn="ctr"/>
             <a:r>
-              <a:rPr lang="en-US" altLang="zh-CN" dirty="0" err="1" smtClean="0"/>
-              <a:t>SwitchA</a:t>
-            </a:r>
-            <a:endParaRPr lang="zh-CN" altLang="en-US" dirty="0"/>
-          </a:p>
-        </p:txBody>
-      </p:sp>
-      <p:sp>
-        <p:nvSpPr>
-          <p:cNvPr id="18" name="矩形 17"/>
-          <p:cNvSpPr/>
-          <p:nvPr/>
-        </p:nvSpPr>
-        <p:spPr>
-          <a:xfrm>
-            <a:off x="7553345" y="3648076"/>
-            <a:ext cx="1143008" cy="428628"/>
-          </a:xfrm>
-          <a:prstGeom prst="rect">
-            <a:avLst/>
-          </a:prstGeom>
-        </p:spPr>
-        <p:style>
-          <a:lnRef idx="2">
-            <a:schemeClr val="accent1">
-              <a:shade val="50000"/>
-            </a:schemeClr>
-          </a:lnRef>
-          <a:fillRef idx="1">
-            <a:schemeClr val="accent1"/>
-          </a:fillRef>
-          <a:effectRef idx="0">
-            <a:schemeClr val="accent1"/>
-          </a:effectRef>
-          <a:fontRef idx="minor">
-            <a:schemeClr val="lt1"/>
-          </a:fontRef>
-        </p:style>
-        <p:txBody>
-          <a:bodyPr rtlCol="0" anchor="ctr"/>
-          <a:lstStyle/>
-          <a:p>
-            <a:pPr algn="ctr"/>
-            <a:r>
-              <a:rPr lang="en-US" altLang="zh-CN" dirty="0" err="1" smtClean="0"/>
-              <a:t>SwitchB</a:t>
+              <a:rPr lang="zh-CN" altLang="en-US" dirty="0" smtClean="0"/>
+              <a:t>视频会议终端</a:t>
+            </a:r>
+            <a:r>
+              <a:rPr lang="en-US" altLang="zh-CN" dirty="0" smtClean="0"/>
+              <a:t>A</a:t>
             </a:r>
             <a:endParaRPr lang="zh-CN" altLang="en-US" dirty="0"/>
           </a:p>
@@ -3835,13 +3917,20 @@
           <p:nvPr/>
         </p:nvCxnSpPr>
         <p:spPr>
-          <a:xfrm rot="5400000">
-            <a:off x="321439" y="2928934"/>
-            <a:ext cx="1428760" cy="1588"/>
+          <a:xfrm flipH="1">
+            <a:off x="1408628" y="4286885"/>
+            <a:ext cx="8222" cy="707016"/>
           </a:xfrm>
           <a:prstGeom prst="line">
             <a:avLst/>
           </a:prstGeom>
+          <a:ln w="25400">
+            <a:solidFill>
+              <a:schemeClr val="accent6">
+                <a:lumMod val="75000"/>
+              </a:schemeClr>
+            </a:solidFill>
+          </a:ln>
         </p:spPr>
         <p:style>
           <a:lnRef idx="1">
@@ -3863,18 +3952,25 @@
           <p:cNvPr id="21" name="直接连接符 20"/>
           <p:cNvCxnSpPr>
             <a:stCxn id="6" idx="2"/>
-            <a:endCxn id="18" idx="0"/>
+            <a:endCxn id="39" idx="0"/>
           </p:cNvCxnSpPr>
           <p:nvPr/>
         </p:nvCxnSpPr>
         <p:spPr>
-          <a:xfrm rot="16200000" flipH="1">
-            <a:off x="7399754" y="2922981"/>
-            <a:ext cx="1433522" cy="16668"/>
+          <a:xfrm>
+            <a:off x="7713405" y="4308946"/>
+            <a:ext cx="514" cy="674478"/>
           </a:xfrm>
           <a:prstGeom prst="line">
             <a:avLst/>
           </a:prstGeom>
+          <a:ln w="25400">
+            <a:solidFill>
+              <a:schemeClr val="accent6">
+                <a:lumMod val="75000"/>
+              </a:schemeClr>
+            </a:solidFill>
+          </a:ln>
         </p:spPr>
         <p:style>
           <a:lnRef idx="1">
@@ -3899,7 +3995,7 @@
         </p:nvSpPr>
         <p:spPr>
           <a:xfrm>
-            <a:off x="428596" y="2285992"/>
+            <a:off x="823359" y="4278448"/>
             <a:ext cx="609975" cy="369332"/>
           </a:xfrm>
           <a:prstGeom prst="rect">
@@ -3928,7 +4024,7 @@
         </p:nvSpPr>
         <p:spPr>
           <a:xfrm>
-            <a:off x="8143900" y="2285992"/>
+            <a:off x="7158314" y="4306913"/>
             <a:ext cx="609975" cy="369332"/>
           </a:xfrm>
           <a:prstGeom prst="rect">
@@ -3949,20 +4045,581 @@
           </a:p>
         </p:txBody>
       </p:sp>
+      <p:sp>
+        <p:nvSpPr>
+          <p:cNvPr id="34" name="TextBox 33"/>
+          <p:cNvSpPr txBox="1"/>
+          <p:nvPr/>
+        </p:nvSpPr>
+        <p:spPr>
+          <a:xfrm>
+            <a:off x="801561" y="5785782"/>
+            <a:ext cx="1176925" cy="369332"/>
+          </a:xfrm>
+          <a:prstGeom prst="rect">
+            <a:avLst/>
+          </a:prstGeom>
+          <a:noFill/>
+        </p:spPr>
+        <p:txBody>
+          <a:bodyPr wrap="none" rtlCol="0">
+            <a:spAutoFit/>
+          </a:bodyPr>
+          <a:lstStyle/>
+          <a:p>
+            <a:r>
+              <a:rPr lang="en-US" altLang="zh-CN" smtClean="0">
+                <a:solidFill>
+                  <a:schemeClr val="accent6">
+                    <a:lumMod val="75000"/>
+                  </a:schemeClr>
+                </a:solidFill>
+              </a:rPr>
+              <a:t>10.10.10.1</a:t>
+            </a:r>
+            <a:endParaRPr lang="zh-CN" altLang="en-US" dirty="0">
+              <a:solidFill>
+                <a:schemeClr val="accent6">
+                  <a:lumMod val="75000"/>
+                </a:schemeClr>
+              </a:solidFill>
+            </a:endParaRPr>
+          </a:p>
+        </p:txBody>
+      </p:sp>
+      <p:sp>
+        <p:nvSpPr>
+          <p:cNvPr id="40" name="TextBox 39"/>
+          <p:cNvSpPr txBox="1"/>
+          <p:nvPr/>
+        </p:nvSpPr>
+        <p:spPr>
+          <a:xfrm>
+            <a:off x="644637" y="2672068"/>
+            <a:ext cx="1527982" cy="369332"/>
+          </a:xfrm>
+          <a:prstGeom prst="rect">
+            <a:avLst/>
+          </a:prstGeom>
+          <a:noFill/>
+        </p:spPr>
+        <p:txBody>
+          <a:bodyPr wrap="none" rtlCol="0">
+            <a:spAutoFit/>
+          </a:bodyPr>
+          <a:lstStyle/>
+          <a:p>
+            <a:r>
+              <a:rPr lang="en-US" altLang="zh-CN" smtClean="0"/>
+              <a:t>202.110.92.25</a:t>
+            </a:r>
+            <a:endParaRPr lang="zh-CN" altLang="en-US" dirty="0"/>
+          </a:p>
+        </p:txBody>
+      </p:sp>
+      <p:sp>
+        <p:nvSpPr>
+          <p:cNvPr id="41" name="TextBox 40"/>
+          <p:cNvSpPr txBox="1"/>
+          <p:nvPr/>
+        </p:nvSpPr>
+        <p:spPr>
+          <a:xfrm>
+            <a:off x="6949928" y="2345243"/>
+            <a:ext cx="1527982" cy="646331"/>
+          </a:xfrm>
+          <a:prstGeom prst="rect">
+            <a:avLst/>
+          </a:prstGeom>
+          <a:noFill/>
+        </p:spPr>
+        <p:txBody>
+          <a:bodyPr wrap="none" rtlCol="0">
+            <a:spAutoFit/>
+          </a:bodyPr>
+          <a:lstStyle/>
+          <a:p>
+            <a:pPr algn="r"/>
+            <a:endParaRPr lang="en-US" altLang="zh-CN" dirty="0" smtClean="0"/>
+          </a:p>
+          <a:p>
+            <a:r>
+              <a:rPr lang="en-US" altLang="zh-CN" dirty="0" smtClean="0"/>
+              <a:t>192.168.10.1</a:t>
+            </a:r>
+            <a:endParaRPr lang="zh-CN" altLang="en-US" dirty="0"/>
+          </a:p>
+        </p:txBody>
+      </p:sp>
+      <p:sp>
+        <p:nvSpPr>
+          <p:cNvPr id="38" name="椭圆 37"/>
+          <p:cNvSpPr/>
+          <p:nvPr/>
+        </p:nvSpPr>
+        <p:spPr>
+          <a:xfrm>
+            <a:off x="7330501" y="1948021"/>
+            <a:ext cx="714380" cy="714380"/>
+          </a:xfrm>
+          <a:prstGeom prst="ellipse">
+            <a:avLst/>
+          </a:prstGeom>
+        </p:spPr>
+        <p:style>
+          <a:lnRef idx="2">
+            <a:schemeClr val="accent1">
+              <a:shade val="50000"/>
+            </a:schemeClr>
+          </a:lnRef>
+          <a:fillRef idx="1">
+            <a:schemeClr val="accent1"/>
+          </a:fillRef>
+          <a:effectRef idx="0">
+            <a:schemeClr val="accent1"/>
+          </a:effectRef>
+          <a:fontRef idx="minor">
+            <a:schemeClr val="lt1"/>
+          </a:fontRef>
+        </p:style>
+        <p:txBody>
+          <a:bodyPr rtlCol="0" anchor="ctr"/>
+          <a:lstStyle/>
+          <a:p>
+            <a:pPr algn="ctr"/>
+            <a:r>
+              <a:rPr lang="en-US" altLang="zh-CN" dirty="0" smtClean="0"/>
+              <a:t>R</a:t>
+            </a:r>
+            <a:endParaRPr lang="zh-CN" altLang="en-US" dirty="0"/>
+          </a:p>
+        </p:txBody>
+      </p:sp>
+      <p:sp>
+        <p:nvSpPr>
+          <p:cNvPr id="39" name="矩形 38"/>
+          <p:cNvSpPr/>
+          <p:nvPr/>
+        </p:nvSpPr>
+        <p:spPr>
+          <a:xfrm>
+            <a:off x="7142415" y="4983424"/>
+            <a:ext cx="1143008" cy="721790"/>
+          </a:xfrm>
+          <a:prstGeom prst="rect">
+            <a:avLst/>
+          </a:prstGeom>
+          <a:gradFill flip="none" rotWithShape="1">
+            <a:gsLst>
+              <a:gs pos="0">
+                <a:schemeClr val="accent6">
+                  <a:lumMod val="40000"/>
+                  <a:lumOff val="60000"/>
+                </a:schemeClr>
+              </a:gs>
+              <a:gs pos="46000">
+                <a:schemeClr val="accent6">
+                  <a:lumMod val="95000"/>
+                  <a:lumOff val="5000"/>
+                </a:schemeClr>
+              </a:gs>
+              <a:gs pos="100000">
+                <a:schemeClr val="accent6">
+                  <a:lumMod val="60000"/>
+                </a:schemeClr>
+              </a:gs>
+            </a:gsLst>
+            <a:path path="circle">
+              <a:fillToRect l="50000" t="130000" r="50000" b="-30000"/>
+            </a:path>
+            <a:tileRect/>
+          </a:gradFill>
+          <a:ln>
+            <a:noFill/>
+          </a:ln>
+        </p:spPr>
+        <p:style>
+          <a:lnRef idx="2">
+            <a:schemeClr val="accent1">
+              <a:shade val="50000"/>
+            </a:schemeClr>
+          </a:lnRef>
+          <a:fillRef idx="1">
+            <a:schemeClr val="accent1"/>
+          </a:fillRef>
+          <a:effectRef idx="0">
+            <a:schemeClr val="accent1"/>
+          </a:effectRef>
+          <a:fontRef idx="minor">
+            <a:schemeClr val="lt1"/>
+          </a:fontRef>
+        </p:style>
+        <p:txBody>
+          <a:bodyPr rtlCol="0" anchor="ctr"/>
+          <a:lstStyle/>
+          <a:p>
+            <a:pPr algn="ctr"/>
+            <a:r>
+              <a:rPr lang="zh-CN" altLang="en-US" dirty="0" smtClean="0"/>
+              <a:t>视频会议终端</a:t>
+            </a:r>
+            <a:r>
+              <a:rPr lang="en-US" altLang="zh-CN" dirty="0" smtClean="0"/>
+              <a:t>B</a:t>
+            </a:r>
+            <a:endParaRPr lang="zh-CN" altLang="en-US" dirty="0"/>
+          </a:p>
+        </p:txBody>
+      </p:sp>
+      <p:sp>
+        <p:nvSpPr>
+          <p:cNvPr id="43" name="十二角星 42" title="Internet"/>
+          <p:cNvSpPr/>
+          <p:nvPr/>
+        </p:nvSpPr>
+        <p:spPr>
+          <a:xfrm>
+            <a:off x="3241634" y="1772816"/>
+            <a:ext cx="1800200" cy="1056925"/>
+          </a:xfrm>
+          <a:prstGeom prst="star12">
+            <a:avLst/>
+          </a:prstGeom>
+          <a:gradFill>
+            <a:gsLst>
+              <a:gs pos="0">
+                <a:schemeClr val="accent1">
+                  <a:lumMod val="5000"/>
+                  <a:lumOff val="95000"/>
+                </a:schemeClr>
+              </a:gs>
+              <a:gs pos="74000">
+                <a:schemeClr val="accent1">
+                  <a:lumMod val="45000"/>
+                  <a:lumOff val="55000"/>
+                </a:schemeClr>
+              </a:gs>
+              <a:gs pos="83000">
+                <a:schemeClr val="accent1">
+                  <a:lumMod val="45000"/>
+                  <a:lumOff val="55000"/>
+                </a:schemeClr>
+              </a:gs>
+              <a:gs pos="100000">
+                <a:schemeClr val="accent1">
+                  <a:lumMod val="30000"/>
+                  <a:lumOff val="70000"/>
+                </a:schemeClr>
+              </a:gs>
+            </a:gsLst>
+            <a:lin ang="5400000" scaled="1"/>
+          </a:gradFill>
+        </p:spPr>
+        <p:style>
+          <a:lnRef idx="2">
+            <a:schemeClr val="accent1">
+              <a:shade val="50000"/>
+            </a:schemeClr>
+          </a:lnRef>
+          <a:fillRef idx="1">
+            <a:schemeClr val="accent1"/>
+          </a:fillRef>
+          <a:effectRef idx="0">
+            <a:schemeClr val="accent1"/>
+          </a:effectRef>
+          <a:fontRef idx="minor">
+            <a:schemeClr val="lt1"/>
+          </a:fontRef>
+        </p:style>
+        <p:txBody>
+          <a:bodyPr rtlCol="0" anchor="ctr"/>
+          <a:lstStyle/>
+          <a:p>
+            <a:pPr algn="ctr"/>
+            <a:r>
+              <a:rPr kumimoji="1" lang="en-US" altLang="zh-CN" smtClean="0"/>
+              <a:t>Internet</a:t>
+            </a:r>
+            <a:endParaRPr kumimoji="1" lang="zh-CN" altLang="en-US" dirty="0"/>
+          </a:p>
+        </p:txBody>
+      </p:sp>
       <p:cxnSp>
         <p:nvCxnSpPr>
-          <p:cNvPr id="28" name="直接连接符 27"/>
-          <p:cNvCxnSpPr/>
+          <p:cNvPr id="51" name="直接连接符 19"/>
+          <p:cNvCxnSpPr>
+            <a:stCxn id="5" idx="6"/>
+            <a:endCxn id="43" idx="7"/>
+          </p:cNvCxnSpPr>
           <p:nvPr/>
         </p:nvCxnSpPr>
         <p:spPr>
-          <a:xfrm rot="5400000">
-            <a:off x="-70676" y="4714090"/>
-            <a:ext cx="1428760" cy="1588"/>
+          <a:xfrm flipV="1">
+            <a:off x="1790524" y="2301279"/>
+            <a:ext cx="1451110" cy="18728"/>
           </a:xfrm>
           <a:prstGeom prst="line">
             <a:avLst/>
           </a:prstGeom>
+          <a:ln w="19050"/>
+        </p:spPr>
+        <p:style>
+          <a:lnRef idx="1">
+            <a:schemeClr val="accent1"/>
+          </a:lnRef>
+          <a:fillRef idx="0">
+            <a:schemeClr val="accent1"/>
+          </a:fillRef>
+          <a:effectRef idx="0">
+            <a:schemeClr val="accent1"/>
+          </a:effectRef>
+          <a:fontRef idx="minor">
+            <a:schemeClr val="tx1"/>
+          </a:fontRef>
+        </p:style>
+      </p:cxnSp>
+      <p:sp>
+        <p:nvSpPr>
+          <p:cNvPr id="60" name="圆角矩形 59"/>
+          <p:cNvSpPr/>
+          <p:nvPr/>
+        </p:nvSpPr>
+        <p:spPr>
+          <a:xfrm>
+            <a:off x="5732114" y="1944088"/>
+            <a:ext cx="946515" cy="714380"/>
+          </a:xfrm>
+          <a:prstGeom prst="roundRect">
+            <a:avLst/>
+          </a:prstGeom>
+        </p:spPr>
+        <p:style>
+          <a:lnRef idx="2">
+            <a:schemeClr val="accent1">
+              <a:shade val="50000"/>
+            </a:schemeClr>
+          </a:lnRef>
+          <a:fillRef idx="1">
+            <a:schemeClr val="accent1"/>
+          </a:fillRef>
+          <a:effectRef idx="0">
+            <a:schemeClr val="accent1"/>
+          </a:effectRef>
+          <a:fontRef idx="minor">
+            <a:schemeClr val="lt1"/>
+          </a:fontRef>
+        </p:style>
+        <p:txBody>
+          <a:bodyPr rtlCol="0" anchor="ctr"/>
+          <a:lstStyle/>
+          <a:p>
+            <a:pPr algn="ctr"/>
+            <a:r>
+              <a:rPr kumimoji="1" lang="en-US" altLang="zh-CN" sz="1600" smtClean="0"/>
+              <a:t>NAT</a:t>
+            </a:r>
+          </a:p>
+          <a:p>
+            <a:pPr algn="ctr"/>
+            <a:r>
+              <a:rPr kumimoji="1" lang="zh-CN" altLang="en-US" sz="1600" dirty="0" smtClean="0"/>
+              <a:t>防火墙</a:t>
+            </a:r>
+            <a:endParaRPr kumimoji="1" lang="zh-CN" altLang="en-US" sz="1600" dirty="0"/>
+          </a:p>
+        </p:txBody>
+      </p:sp>
+      <p:cxnSp>
+        <p:nvCxnSpPr>
+          <p:cNvPr id="61" name="直接连接符 19"/>
+          <p:cNvCxnSpPr>
+            <a:stCxn id="43" idx="1"/>
+            <a:endCxn id="60" idx="1"/>
+          </p:cNvCxnSpPr>
+          <p:nvPr/>
+        </p:nvCxnSpPr>
+        <p:spPr>
+          <a:xfrm flipV="1">
+            <a:off x="5041834" y="2301278"/>
+            <a:ext cx="690280" cy="1"/>
+          </a:xfrm>
+          <a:prstGeom prst="line">
+            <a:avLst/>
+          </a:prstGeom>
+          <a:ln w="19050"/>
+        </p:spPr>
+        <p:style>
+          <a:lnRef idx="1">
+            <a:schemeClr val="accent1"/>
+          </a:lnRef>
+          <a:fillRef idx="0">
+            <a:schemeClr val="accent1"/>
+          </a:fillRef>
+          <a:effectRef idx="0">
+            <a:schemeClr val="accent1"/>
+          </a:effectRef>
+          <a:fontRef idx="minor">
+            <a:schemeClr val="tx1"/>
+          </a:fontRef>
+        </p:style>
+      </p:cxnSp>
+      <p:sp>
+        <p:nvSpPr>
+          <p:cNvPr id="62" name="TextBox 33"/>
+          <p:cNvSpPr txBox="1"/>
+          <p:nvPr/>
+        </p:nvSpPr>
+        <p:spPr>
+          <a:xfrm>
+            <a:off x="7142415" y="5785782"/>
+            <a:ext cx="1176925" cy="369332"/>
+          </a:xfrm>
+          <a:prstGeom prst="rect">
+            <a:avLst/>
+          </a:prstGeom>
+          <a:noFill/>
+        </p:spPr>
+        <p:txBody>
+          <a:bodyPr wrap="none" rtlCol="0">
+            <a:spAutoFit/>
+          </a:bodyPr>
+          <a:lstStyle/>
+          <a:p>
+            <a:r>
+              <a:rPr lang="en-US" altLang="zh-CN" dirty="0" smtClean="0">
+                <a:solidFill>
+                  <a:schemeClr val="accent6">
+                    <a:lumMod val="75000"/>
+                  </a:schemeClr>
+                </a:solidFill>
+              </a:rPr>
+              <a:t>10.10.10.2</a:t>
+            </a:r>
+            <a:endParaRPr lang="zh-CN" altLang="en-US" dirty="0">
+              <a:solidFill>
+                <a:schemeClr val="accent6">
+                  <a:lumMod val="75000"/>
+                </a:schemeClr>
+              </a:solidFill>
+            </a:endParaRPr>
+          </a:p>
+        </p:txBody>
+      </p:sp>
+      <p:sp>
+        <p:nvSpPr>
+          <p:cNvPr id="73" name="TextBox 39"/>
+          <p:cNvSpPr txBox="1"/>
+          <p:nvPr/>
+        </p:nvSpPr>
+        <p:spPr>
+          <a:xfrm>
+            <a:off x="1076144" y="1156192"/>
+            <a:ext cx="779381" cy="369332"/>
+          </a:xfrm>
+          <a:prstGeom prst="rect">
+            <a:avLst/>
+          </a:prstGeom>
+          <a:noFill/>
+        </p:spPr>
+        <p:txBody>
+          <a:bodyPr wrap="none" rtlCol="0">
+            <a:spAutoFit/>
+          </a:bodyPr>
+          <a:lstStyle/>
+          <a:p>
+            <a:r>
+              <a:rPr lang="zh-CN" altLang="en-US" dirty="0" smtClean="0">
+                <a:latin typeface="SimHei" charset="-122"/>
+                <a:ea typeface="SimHei" charset="-122"/>
+                <a:cs typeface="SimHei" charset="-122"/>
+              </a:rPr>
+              <a:t>站点</a:t>
+            </a:r>
+            <a:r>
+              <a:rPr lang="en-US" altLang="zh-CN" dirty="0" smtClean="0">
+                <a:latin typeface="SimHei" charset="-122"/>
+                <a:ea typeface="SimHei" charset="-122"/>
+                <a:cs typeface="SimHei" charset="-122"/>
+              </a:rPr>
+              <a:t>A</a:t>
+            </a:r>
+            <a:endParaRPr lang="zh-CN" altLang="en-US" dirty="0">
+              <a:latin typeface="SimHei" charset="-122"/>
+              <a:ea typeface="SimHei" charset="-122"/>
+              <a:cs typeface="SimHei" charset="-122"/>
+            </a:endParaRPr>
+          </a:p>
+        </p:txBody>
+      </p:sp>
+      <p:sp>
+        <p:nvSpPr>
+          <p:cNvPr id="74" name="TextBox 39"/>
+          <p:cNvSpPr txBox="1"/>
+          <p:nvPr/>
+        </p:nvSpPr>
+        <p:spPr>
+          <a:xfrm>
+            <a:off x="7249058" y="1187022"/>
+            <a:ext cx="779381" cy="369332"/>
+          </a:xfrm>
+          <a:prstGeom prst="rect">
+            <a:avLst/>
+          </a:prstGeom>
+          <a:noFill/>
+        </p:spPr>
+        <p:txBody>
+          <a:bodyPr wrap="none" rtlCol="0">
+            <a:spAutoFit/>
+          </a:bodyPr>
+          <a:lstStyle/>
+          <a:p>
+            <a:r>
+              <a:rPr lang="zh-CN" altLang="en-US" dirty="0" smtClean="0">
+                <a:latin typeface="SimHei" charset="-122"/>
+                <a:ea typeface="SimHei" charset="-122"/>
+                <a:cs typeface="SimHei" charset="-122"/>
+              </a:rPr>
+              <a:t>站点</a:t>
+            </a:r>
+            <a:r>
+              <a:rPr lang="en-US" altLang="zh-CN" dirty="0" smtClean="0">
+                <a:latin typeface="SimHei" charset="-122"/>
+                <a:ea typeface="SimHei" charset="-122"/>
+                <a:cs typeface="SimHei" charset="-122"/>
+              </a:rPr>
+              <a:t>B</a:t>
+            </a:r>
+            <a:endParaRPr lang="zh-CN" altLang="en-US" dirty="0">
+              <a:latin typeface="SimHei" charset="-122"/>
+              <a:ea typeface="SimHei" charset="-122"/>
+              <a:cs typeface="SimHei" charset="-122"/>
+            </a:endParaRPr>
+          </a:p>
+        </p:txBody>
+      </p:sp>
+      <p:cxnSp>
+        <p:nvCxnSpPr>
+          <p:cNvPr id="76" name="直线连接符 75"/>
+          <p:cNvCxnSpPr>
+            <a:stCxn id="4" idx="3"/>
+            <a:endCxn id="6" idx="1"/>
+          </p:cNvCxnSpPr>
+          <p:nvPr/>
+        </p:nvCxnSpPr>
+        <p:spPr>
+          <a:xfrm>
+            <a:off x="1881197" y="4072571"/>
+            <a:ext cx="5367861" cy="22061"/>
+          </a:xfrm>
+          <a:prstGeom prst="line">
+            <a:avLst/>
+          </a:prstGeom>
+          <a:ln w="19050">
+            <a:solidFill>
+              <a:srgbClr val="92D050"/>
+            </a:solidFill>
+            <a:prstDash val="dash"/>
+          </a:ln>
         </p:spPr>
         <p:style>
           <a:lnRef idx="1">
@@ -3981,18 +4638,30 @@
       </p:cxnSp>
       <p:cxnSp>
         <p:nvCxnSpPr>
-          <p:cNvPr id="29" name="直接连接符 28"/>
-          <p:cNvCxnSpPr/>
+          <p:cNvPr id="80" name="直接连接符 19"/>
+          <p:cNvCxnSpPr>
+            <a:stCxn id="60" idx="3"/>
+            <a:endCxn id="38" idx="2"/>
+          </p:cNvCxnSpPr>
           <p:nvPr/>
         </p:nvCxnSpPr>
         <p:spPr>
-          <a:xfrm rot="5400000">
-            <a:off x="286514" y="4714090"/>
-            <a:ext cx="1428760" cy="1588"/>
+          <a:xfrm>
+            <a:off x="6678629" y="2301278"/>
+            <a:ext cx="651872" cy="3933"/>
           </a:xfrm>
           <a:prstGeom prst="line">
             <a:avLst/>
           </a:prstGeom>
+          <a:ln w="19050">
+            <a:solidFill>
+              <a:schemeClr val="accent5">
+                <a:lumMod val="60000"/>
+                <a:lumOff val="40000"/>
+              </a:schemeClr>
+            </a:solidFill>
+            <a:prstDash val="dashDot"/>
+          </a:ln>
         </p:spPr>
         <p:style>
           <a:lnRef idx="1">
@@ -4009,136 +4678,16 @@
           </a:fontRef>
         </p:style>
       </p:cxnSp>
-      <p:cxnSp>
-        <p:nvCxnSpPr>
-          <p:cNvPr id="30" name="直接连接符 29"/>
-          <p:cNvCxnSpPr/>
-          <p:nvPr/>
-        </p:nvCxnSpPr>
-        <p:spPr>
-          <a:xfrm rot="5400000">
-            <a:off x="643704" y="4714090"/>
-            <a:ext cx="1428760" cy="1588"/>
-          </a:xfrm>
-          <a:prstGeom prst="line">
-            <a:avLst/>
-          </a:prstGeom>
-        </p:spPr>
-        <p:style>
-          <a:lnRef idx="1">
-            <a:schemeClr val="accent1"/>
-          </a:lnRef>
-          <a:fillRef idx="0">
-            <a:schemeClr val="accent1"/>
-          </a:fillRef>
-          <a:effectRef idx="0">
-            <a:schemeClr val="accent1"/>
-          </a:effectRef>
-          <a:fontRef idx="minor">
-            <a:schemeClr val="tx1"/>
-          </a:fontRef>
-        </p:style>
-      </p:cxnSp>
-      <p:cxnSp>
-        <p:nvCxnSpPr>
-          <p:cNvPr id="31" name="直接连接符 30"/>
-          <p:cNvCxnSpPr/>
-          <p:nvPr/>
-        </p:nvCxnSpPr>
-        <p:spPr>
-          <a:xfrm rot="5400000">
-            <a:off x="7142974" y="4714090"/>
-            <a:ext cx="1428760" cy="1588"/>
-          </a:xfrm>
-          <a:prstGeom prst="line">
-            <a:avLst/>
-          </a:prstGeom>
-        </p:spPr>
-        <p:style>
-          <a:lnRef idx="1">
-            <a:schemeClr val="accent1"/>
-          </a:lnRef>
-          <a:fillRef idx="0">
-            <a:schemeClr val="accent1"/>
-          </a:fillRef>
-          <a:effectRef idx="0">
-            <a:schemeClr val="accent1"/>
-          </a:effectRef>
-          <a:fontRef idx="minor">
-            <a:schemeClr val="tx1"/>
-          </a:fontRef>
-        </p:style>
-      </p:cxnSp>
-      <p:cxnSp>
-        <p:nvCxnSpPr>
-          <p:cNvPr id="32" name="直接连接符 31"/>
-          <p:cNvCxnSpPr/>
-          <p:nvPr/>
-        </p:nvCxnSpPr>
-        <p:spPr>
-          <a:xfrm rot="5400000">
-            <a:off x="7500164" y="4714090"/>
-            <a:ext cx="1428760" cy="1588"/>
-          </a:xfrm>
-          <a:prstGeom prst="line">
-            <a:avLst/>
-          </a:prstGeom>
-        </p:spPr>
-        <p:style>
-          <a:lnRef idx="1">
-            <a:schemeClr val="accent1"/>
-          </a:lnRef>
-          <a:fillRef idx="0">
-            <a:schemeClr val="accent1"/>
-          </a:fillRef>
-          <a:effectRef idx="0">
-            <a:schemeClr val="accent1"/>
-          </a:effectRef>
-          <a:fontRef idx="minor">
-            <a:schemeClr val="tx1"/>
-          </a:fontRef>
-        </p:style>
-      </p:cxnSp>
-      <p:cxnSp>
-        <p:nvCxnSpPr>
-          <p:cNvPr id="33" name="直接连接符 32"/>
-          <p:cNvCxnSpPr/>
-          <p:nvPr/>
-        </p:nvCxnSpPr>
-        <p:spPr>
-          <a:xfrm rot="5400000">
-            <a:off x="7857354" y="4714090"/>
-            <a:ext cx="1428760" cy="1588"/>
-          </a:xfrm>
-          <a:prstGeom prst="line">
-            <a:avLst/>
-          </a:prstGeom>
-        </p:spPr>
-        <p:style>
-          <a:lnRef idx="1">
-            <a:schemeClr val="accent1"/>
-          </a:lnRef>
-          <a:fillRef idx="0">
-            <a:schemeClr val="accent1"/>
-          </a:fillRef>
-          <a:effectRef idx="0">
-            <a:schemeClr val="accent1"/>
-          </a:effectRef>
-          <a:fontRef idx="minor">
-            <a:schemeClr val="tx1"/>
-          </a:fontRef>
-        </p:style>
-      </p:cxnSp>
-      <p:sp>
-        <p:nvSpPr>
-          <p:cNvPr id="34" name="TextBox 33"/>
+      <p:sp>
+        <p:nvSpPr>
+          <p:cNvPr id="95" name="TextBox 6"/>
           <p:cNvSpPr txBox="1"/>
           <p:nvPr/>
         </p:nvSpPr>
         <p:spPr>
           <a:xfrm>
-            <a:off x="224064" y="5572140"/>
-            <a:ext cx="1418978" cy="369332"/>
+            <a:off x="1949507" y="4122247"/>
+            <a:ext cx="1293944" cy="369332"/>
           </a:xfrm>
           <a:prstGeom prst="rect">
             <a:avLst/>
@@ -4152,31 +4701,31 @@
           <a:lstStyle/>
           <a:p>
             <a:r>
-              <a:rPr lang="en-US" altLang="zh-CN" dirty="0" smtClean="0"/>
-              <a:t>Vlan10</a:t>
-            </a:r>
-            <a:r>
-              <a:rPr lang="en-US" altLang="zh-CN" dirty="0"/>
-              <a:t>,</a:t>
-            </a:r>
-            <a:r>
-              <a:rPr lang="en-US" altLang="zh-CN" dirty="0" smtClean="0"/>
-              <a:t>20,30</a:t>
-            </a:r>
-            <a:endParaRPr lang="zh-CN" altLang="en-US" dirty="0"/>
-          </a:p>
-        </p:txBody>
-      </p:sp>
-      <p:sp>
-        <p:nvSpPr>
-          <p:cNvPr id="35" name="TextBox 34"/>
+              <a:rPr lang="en-US" altLang="zh-CN" smtClean="0">
+                <a:solidFill>
+                  <a:srgbClr val="92D050"/>
+                </a:solidFill>
+              </a:rPr>
+              <a:t>172.16.10.1</a:t>
+            </a:r>
+            <a:endParaRPr lang="zh-CN" altLang="en-US" dirty="0">
+              <a:solidFill>
+                <a:srgbClr val="92D050"/>
+              </a:solidFill>
+            </a:endParaRPr>
+          </a:p>
+        </p:txBody>
+      </p:sp>
+      <p:sp>
+        <p:nvSpPr>
+          <p:cNvPr id="96" name="TextBox 6"/>
           <p:cNvSpPr txBox="1"/>
           <p:nvPr/>
         </p:nvSpPr>
         <p:spPr>
           <a:xfrm>
-            <a:off x="7429520" y="5572140"/>
-            <a:ext cx="1418978" cy="369332"/>
+            <a:off x="5722941" y="4115054"/>
+            <a:ext cx="1293944" cy="369332"/>
           </a:xfrm>
           <a:prstGeom prst="rect">
             <a:avLst/>
@@ -4190,168 +4739,18 @@
           <a:lstStyle/>
           <a:p>
             <a:r>
-              <a:rPr lang="en-US" altLang="zh-CN" dirty="0" smtClean="0"/>
-              <a:t>Vlan10</a:t>
-            </a:r>
-            <a:r>
-              <a:rPr lang="en-US" altLang="zh-CN" dirty="0"/>
-              <a:t>,</a:t>
-            </a:r>
-            <a:r>
-              <a:rPr lang="en-US" altLang="zh-CN" dirty="0" smtClean="0"/>
-              <a:t>20,30</a:t>
-            </a:r>
-            <a:endParaRPr lang="zh-CN" altLang="en-US" dirty="0"/>
-          </a:p>
-        </p:txBody>
-      </p:sp>
-      <p:sp>
-        <p:nvSpPr>
-          <p:cNvPr id="36" name="TextBox 35"/>
-          <p:cNvSpPr txBox="1"/>
-          <p:nvPr/>
-        </p:nvSpPr>
-        <p:spPr>
-          <a:xfrm>
-            <a:off x="1071538" y="2996983"/>
-            <a:ext cx="2129109" cy="646331"/>
-          </a:xfrm>
-          <a:prstGeom prst="rect">
-            <a:avLst/>
-          </a:prstGeom>
-          <a:noFill/>
-        </p:spPr>
-        <p:txBody>
-          <a:bodyPr wrap="none" rtlCol="0">
-            <a:spAutoFit/>
-          </a:bodyPr>
-          <a:lstStyle/>
-          <a:p>
-            <a:r>
-              <a:rPr lang="en-US" altLang="zh-CN" dirty="0" smtClean="0"/>
-              <a:t>Trunk port</a:t>
-            </a:r>
-          </a:p>
-          <a:p>
-            <a:r>
-              <a:rPr lang="en-US" altLang="zh-CN" dirty="0" smtClean="0"/>
-              <a:t>permit </a:t>
-            </a:r>
-            <a:r>
-              <a:rPr lang="en-US" altLang="zh-CN" dirty="0" err="1" smtClean="0"/>
-              <a:t>vlan</a:t>
-            </a:r>
-            <a:r>
-              <a:rPr lang="en-US" altLang="zh-CN" dirty="0" smtClean="0"/>
-              <a:t> 10,20,30</a:t>
-            </a:r>
-          </a:p>
-        </p:txBody>
-      </p:sp>
-      <p:sp>
-        <p:nvSpPr>
-          <p:cNvPr id="37" name="TextBox 36"/>
-          <p:cNvSpPr txBox="1"/>
-          <p:nvPr/>
-        </p:nvSpPr>
-        <p:spPr>
-          <a:xfrm>
-            <a:off x="6143636" y="2928934"/>
-            <a:ext cx="2129109" cy="646331"/>
-          </a:xfrm>
-          <a:prstGeom prst="rect">
-            <a:avLst/>
-          </a:prstGeom>
-          <a:noFill/>
-        </p:spPr>
-        <p:txBody>
-          <a:bodyPr wrap="none" rtlCol="0">
-            <a:spAutoFit/>
-          </a:bodyPr>
-          <a:lstStyle/>
-          <a:p>
-            <a:r>
-              <a:rPr lang="en-US" altLang="zh-CN" dirty="0" smtClean="0"/>
-              <a:t>Trunk port</a:t>
-            </a:r>
-          </a:p>
-          <a:p>
-            <a:r>
-              <a:rPr lang="en-US" altLang="zh-CN" dirty="0" smtClean="0"/>
-              <a:t>permit </a:t>
-            </a:r>
-            <a:r>
-              <a:rPr lang="en-US" altLang="zh-CN" dirty="0" err="1" smtClean="0"/>
-              <a:t>vlan</a:t>
-            </a:r>
-            <a:r>
-              <a:rPr lang="en-US" altLang="zh-CN" dirty="0" smtClean="0"/>
-              <a:t> 10,20,30</a:t>
-            </a:r>
-          </a:p>
-        </p:txBody>
-      </p:sp>
-      <p:sp>
-        <p:nvSpPr>
-          <p:cNvPr id="40" name="TextBox 39"/>
-          <p:cNvSpPr txBox="1"/>
-          <p:nvPr/>
-        </p:nvSpPr>
-        <p:spPr>
-          <a:xfrm>
-            <a:off x="2857488" y="1630908"/>
-            <a:ext cx="1410964" cy="369332"/>
-          </a:xfrm>
-          <a:prstGeom prst="rect">
-            <a:avLst/>
-          </a:prstGeom>
-          <a:noFill/>
-        </p:spPr>
-        <p:txBody>
-          <a:bodyPr wrap="none" rtlCol="0">
-            <a:spAutoFit/>
-          </a:bodyPr>
-          <a:lstStyle/>
-          <a:p>
-            <a:r>
-              <a:rPr lang="en-US" altLang="zh-CN" dirty="0" smtClean="0"/>
-              <a:t>222.195.81.1</a:t>
-            </a:r>
-            <a:endParaRPr lang="zh-CN" altLang="en-US" dirty="0"/>
-          </a:p>
-        </p:txBody>
-      </p:sp>
-      <p:sp>
-        <p:nvSpPr>
-          <p:cNvPr id="41" name="TextBox 40"/>
-          <p:cNvSpPr txBox="1"/>
-          <p:nvPr/>
-        </p:nvSpPr>
-        <p:spPr>
-          <a:xfrm>
-            <a:off x="4929190" y="1357298"/>
-            <a:ext cx="1527982" cy="646331"/>
-          </a:xfrm>
-          <a:prstGeom prst="rect">
-            <a:avLst/>
-          </a:prstGeom>
-          <a:noFill/>
-        </p:spPr>
-        <p:txBody>
-          <a:bodyPr wrap="none" rtlCol="0">
-            <a:spAutoFit/>
-          </a:bodyPr>
-          <a:lstStyle/>
-          <a:p>
-            <a:pPr algn="r"/>
-            <a:endParaRPr lang="en-US" altLang="zh-CN" dirty="0" smtClean="0"/>
-          </a:p>
-          <a:p>
-            <a:r>
-              <a:rPr lang="en-US" altLang="zh-CN" dirty="0" smtClean="0"/>
-              <a:t>202.38.64.1</a:t>
-            </a:r>
-            <a:endParaRPr lang="zh-CN" altLang="en-US" dirty="0"/>
+              <a:rPr lang="en-US" altLang="zh-CN" dirty="0" smtClean="0">
+                <a:solidFill>
+                  <a:srgbClr val="92D050"/>
+                </a:solidFill>
+              </a:rPr>
+              <a:t>172.16.10.2</a:t>
+            </a:r>
+            <a:endParaRPr lang="zh-CN" altLang="en-US" dirty="0">
+              <a:solidFill>
+                <a:srgbClr val="92D050"/>
+              </a:solidFill>
+            </a:endParaRPr>
           </a:p>
         </p:txBody>
       </p:sp>
@@ -4360,6 +4759,13 @@
   <p:clrMapOvr>
     <a:masterClrMapping/>
   </p:clrMapOvr>
+  <p:timing>
+    <p:tnLst>
+      <p:par>
+        <p:cTn id="1" dur="indefinite" restart="never" nodeType="tmRoot"/>
+      </p:par>
+    </p:tnLst>
+  </p:timing>
 </p:sld>
 </file>
 
